--- a/media/infrastructure.pptx
+++ b/media/infrastructure.pptx
@@ -104,6 +104,11 @@
       </a:defRPr>
     </a:lvl9pPr>
   </p:defaultTextStyle>
+  <p:extLst>
+    <p:ext uri="{EFAFB233-063F-42B5-8137-9DF3F51BA10A}">
+      <p15:sldGuideLst xmlns:p15="http://schemas.microsoft.com/office/powerpoint/2012/main"/>
+    </p:ext>
+  </p:extLst>
 </p:presentation>
 </file>
 
@@ -149,10 +154,9 @@
           </a:lstStyle>
           <a:p>
             <a:r>
-              <a:rPr lang="zh-CN" altLang="en-US" smtClean="0"/>
+              <a:rPr lang="zh-CN" altLang="en-US"/>
               <a:t>单击此处编辑母版标题样式</a:t>
             </a:r>
-            <a:endParaRPr lang="zh-CN" altLang="en-US"/>
           </a:p>
         </p:txBody>
       </p:sp>
@@ -214,10 +218,9 @@
           </a:lstStyle>
           <a:p>
             <a:r>
-              <a:rPr lang="zh-CN" altLang="en-US" smtClean="0"/>
+              <a:rPr lang="zh-CN" altLang="en-US"/>
               <a:t>单击此处编辑母版副标题样式</a:t>
             </a:r>
-            <a:endParaRPr lang="zh-CN" altLang="en-US"/>
           </a:p>
         </p:txBody>
       </p:sp>
@@ -238,7 +241,7 @@
           <a:p>
             <a:fld id="{245B3880-F4C6-4948-9F48-C0865E4DD07D}" type="datetimeFigureOut">
               <a:rPr lang="zh-CN" altLang="en-US" smtClean="0"/>
-              <a:t>2018/11/30</a:t>
+              <a:t>2019/2/21</a:t>
             </a:fld>
             <a:endParaRPr lang="zh-CN" altLang="en-US"/>
           </a:p>
@@ -332,10 +335,9 @@
           <a:lstStyle/>
           <a:p>
             <a:r>
-              <a:rPr lang="zh-CN" altLang="en-US" smtClean="0"/>
+              <a:rPr lang="zh-CN" altLang="en-US"/>
               <a:t>单击此处编辑母版标题样式</a:t>
             </a:r>
-            <a:endParaRPr lang="zh-CN" altLang="en-US"/>
           </a:p>
         </p:txBody>
       </p:sp>
@@ -356,38 +358,37 @@
           <a:p>
             <a:pPr lvl="0"/>
             <a:r>
-              <a:rPr lang="zh-CN" altLang="en-US" smtClean="0"/>
+              <a:rPr lang="zh-CN" altLang="en-US"/>
               <a:t>单击此处编辑母版文本样式</a:t>
             </a:r>
           </a:p>
           <a:p>
             <a:pPr lvl="1"/>
             <a:r>
-              <a:rPr lang="zh-CN" altLang="en-US" smtClean="0"/>
+              <a:rPr lang="zh-CN" altLang="en-US"/>
               <a:t>第二级</a:t>
             </a:r>
           </a:p>
           <a:p>
             <a:pPr lvl="2"/>
             <a:r>
-              <a:rPr lang="zh-CN" altLang="en-US" smtClean="0"/>
+              <a:rPr lang="zh-CN" altLang="en-US"/>
               <a:t>第三级</a:t>
             </a:r>
           </a:p>
           <a:p>
             <a:pPr lvl="3"/>
             <a:r>
-              <a:rPr lang="zh-CN" altLang="en-US" smtClean="0"/>
+              <a:rPr lang="zh-CN" altLang="en-US"/>
               <a:t>第四级</a:t>
             </a:r>
           </a:p>
           <a:p>
             <a:pPr lvl="4"/>
             <a:r>
-              <a:rPr lang="zh-CN" altLang="en-US" smtClean="0"/>
+              <a:rPr lang="zh-CN" altLang="en-US"/>
               <a:t>第五级</a:t>
             </a:r>
-            <a:endParaRPr lang="zh-CN" altLang="en-US"/>
           </a:p>
         </p:txBody>
       </p:sp>
@@ -408,7 +409,7 @@
           <a:p>
             <a:fld id="{245B3880-F4C6-4948-9F48-C0865E4DD07D}" type="datetimeFigureOut">
               <a:rPr lang="zh-CN" altLang="en-US" smtClean="0"/>
-              <a:t>2018/11/30</a:t>
+              <a:t>2019/2/21</a:t>
             </a:fld>
             <a:endParaRPr lang="zh-CN" altLang="en-US"/>
           </a:p>
@@ -507,10 +508,9 @@
           <a:lstStyle/>
           <a:p>
             <a:r>
-              <a:rPr lang="zh-CN" altLang="en-US" smtClean="0"/>
+              <a:rPr lang="zh-CN" altLang="en-US"/>
               <a:t>单击此处编辑母版标题样式</a:t>
             </a:r>
-            <a:endParaRPr lang="zh-CN" altLang="en-US"/>
           </a:p>
         </p:txBody>
       </p:sp>
@@ -536,38 +536,37 @@
           <a:p>
             <a:pPr lvl="0"/>
             <a:r>
-              <a:rPr lang="zh-CN" altLang="en-US" smtClean="0"/>
+              <a:rPr lang="zh-CN" altLang="en-US"/>
               <a:t>单击此处编辑母版文本样式</a:t>
             </a:r>
           </a:p>
           <a:p>
             <a:pPr lvl="1"/>
             <a:r>
-              <a:rPr lang="zh-CN" altLang="en-US" smtClean="0"/>
+              <a:rPr lang="zh-CN" altLang="en-US"/>
               <a:t>第二级</a:t>
             </a:r>
           </a:p>
           <a:p>
             <a:pPr lvl="2"/>
             <a:r>
-              <a:rPr lang="zh-CN" altLang="en-US" smtClean="0"/>
+              <a:rPr lang="zh-CN" altLang="en-US"/>
               <a:t>第三级</a:t>
             </a:r>
           </a:p>
           <a:p>
             <a:pPr lvl="3"/>
             <a:r>
-              <a:rPr lang="zh-CN" altLang="en-US" smtClean="0"/>
+              <a:rPr lang="zh-CN" altLang="en-US"/>
               <a:t>第四级</a:t>
             </a:r>
           </a:p>
           <a:p>
             <a:pPr lvl="4"/>
             <a:r>
-              <a:rPr lang="zh-CN" altLang="en-US" smtClean="0"/>
+              <a:rPr lang="zh-CN" altLang="en-US"/>
               <a:t>第五级</a:t>
             </a:r>
-            <a:endParaRPr lang="zh-CN" altLang="en-US"/>
           </a:p>
         </p:txBody>
       </p:sp>
@@ -588,7 +587,7 @@
           <a:p>
             <a:fld id="{245B3880-F4C6-4948-9F48-C0865E4DD07D}" type="datetimeFigureOut">
               <a:rPr lang="zh-CN" altLang="en-US" smtClean="0"/>
-              <a:t>2018/11/30</a:t>
+              <a:t>2019/2/21</a:t>
             </a:fld>
             <a:endParaRPr lang="zh-CN" altLang="en-US"/>
           </a:p>
@@ -682,10 +681,9 @@
           <a:lstStyle/>
           <a:p>
             <a:r>
-              <a:rPr lang="zh-CN" altLang="en-US" smtClean="0"/>
+              <a:rPr lang="zh-CN" altLang="en-US"/>
               <a:t>单击此处编辑母版标题样式</a:t>
             </a:r>
-            <a:endParaRPr lang="zh-CN" altLang="en-US"/>
           </a:p>
         </p:txBody>
       </p:sp>
@@ -706,38 +704,37 @@
           <a:p>
             <a:pPr lvl="0"/>
             <a:r>
-              <a:rPr lang="zh-CN" altLang="en-US" smtClean="0"/>
+              <a:rPr lang="zh-CN" altLang="en-US"/>
               <a:t>单击此处编辑母版文本样式</a:t>
             </a:r>
           </a:p>
           <a:p>
             <a:pPr lvl="1"/>
             <a:r>
-              <a:rPr lang="zh-CN" altLang="en-US" smtClean="0"/>
+              <a:rPr lang="zh-CN" altLang="en-US"/>
               <a:t>第二级</a:t>
             </a:r>
           </a:p>
           <a:p>
             <a:pPr lvl="2"/>
             <a:r>
-              <a:rPr lang="zh-CN" altLang="en-US" smtClean="0"/>
+              <a:rPr lang="zh-CN" altLang="en-US"/>
               <a:t>第三级</a:t>
             </a:r>
           </a:p>
           <a:p>
             <a:pPr lvl="3"/>
             <a:r>
-              <a:rPr lang="zh-CN" altLang="en-US" smtClean="0"/>
+              <a:rPr lang="zh-CN" altLang="en-US"/>
               <a:t>第四级</a:t>
             </a:r>
           </a:p>
           <a:p>
             <a:pPr lvl="4"/>
             <a:r>
-              <a:rPr lang="zh-CN" altLang="en-US" smtClean="0"/>
+              <a:rPr lang="zh-CN" altLang="en-US"/>
               <a:t>第五级</a:t>
             </a:r>
-            <a:endParaRPr lang="zh-CN" altLang="en-US"/>
           </a:p>
         </p:txBody>
       </p:sp>
@@ -758,7 +755,7 @@
           <a:p>
             <a:fld id="{245B3880-F4C6-4948-9F48-C0865E4DD07D}" type="datetimeFigureOut">
               <a:rPr lang="zh-CN" altLang="en-US" smtClean="0"/>
-              <a:t>2018/11/30</a:t>
+              <a:t>2019/2/21</a:t>
             </a:fld>
             <a:endParaRPr lang="zh-CN" altLang="en-US"/>
           </a:p>
@@ -861,10 +858,9 @@
           </a:lstStyle>
           <a:p>
             <a:r>
-              <a:rPr lang="zh-CN" altLang="en-US" smtClean="0"/>
+              <a:rPr lang="zh-CN" altLang="en-US"/>
               <a:t>单击此处编辑母版标题样式</a:t>
             </a:r>
-            <a:endParaRPr lang="zh-CN" altLang="en-US"/>
           </a:p>
         </p:txBody>
       </p:sp>
@@ -981,7 +977,7 @@
           <a:p>
             <a:pPr lvl="0"/>
             <a:r>
-              <a:rPr lang="zh-CN" altLang="en-US" smtClean="0"/>
+              <a:rPr lang="zh-CN" altLang="en-US"/>
               <a:t>单击此处编辑母版文本样式</a:t>
             </a:r>
           </a:p>
@@ -1004,7 +1000,7 @@
           <a:p>
             <a:fld id="{245B3880-F4C6-4948-9F48-C0865E4DD07D}" type="datetimeFigureOut">
               <a:rPr lang="zh-CN" altLang="en-US" smtClean="0"/>
-              <a:t>2018/11/30</a:t>
+              <a:t>2019/2/21</a:t>
             </a:fld>
             <a:endParaRPr lang="zh-CN" altLang="en-US"/>
           </a:p>
@@ -1098,10 +1094,9 @@
           <a:lstStyle/>
           <a:p>
             <a:r>
-              <a:rPr lang="zh-CN" altLang="en-US" smtClean="0"/>
+              <a:rPr lang="zh-CN" altLang="en-US"/>
               <a:t>单击此处编辑母版标题样式</a:t>
             </a:r>
-            <a:endParaRPr lang="zh-CN" altLang="en-US"/>
           </a:p>
         </p:txBody>
       </p:sp>
@@ -1127,38 +1122,37 @@
           <a:p>
             <a:pPr lvl="0"/>
             <a:r>
-              <a:rPr lang="zh-CN" altLang="en-US" smtClean="0"/>
+              <a:rPr lang="zh-CN" altLang="en-US"/>
               <a:t>单击此处编辑母版文本样式</a:t>
             </a:r>
           </a:p>
           <a:p>
             <a:pPr lvl="1"/>
             <a:r>
-              <a:rPr lang="zh-CN" altLang="en-US" smtClean="0"/>
+              <a:rPr lang="zh-CN" altLang="en-US"/>
               <a:t>第二级</a:t>
             </a:r>
           </a:p>
           <a:p>
             <a:pPr lvl="2"/>
             <a:r>
-              <a:rPr lang="zh-CN" altLang="en-US" smtClean="0"/>
+              <a:rPr lang="zh-CN" altLang="en-US"/>
               <a:t>第三级</a:t>
             </a:r>
           </a:p>
           <a:p>
             <a:pPr lvl="3"/>
             <a:r>
-              <a:rPr lang="zh-CN" altLang="en-US" smtClean="0"/>
+              <a:rPr lang="zh-CN" altLang="en-US"/>
               <a:t>第四级</a:t>
             </a:r>
           </a:p>
           <a:p>
             <a:pPr lvl="4"/>
             <a:r>
-              <a:rPr lang="zh-CN" altLang="en-US" smtClean="0"/>
+              <a:rPr lang="zh-CN" altLang="en-US"/>
               <a:t>第五级</a:t>
             </a:r>
-            <a:endParaRPr lang="zh-CN" altLang="en-US"/>
           </a:p>
         </p:txBody>
       </p:sp>
@@ -1184,38 +1178,37 @@
           <a:p>
             <a:pPr lvl="0"/>
             <a:r>
-              <a:rPr lang="zh-CN" altLang="en-US" smtClean="0"/>
+              <a:rPr lang="zh-CN" altLang="en-US"/>
               <a:t>单击此处编辑母版文本样式</a:t>
             </a:r>
           </a:p>
           <a:p>
             <a:pPr lvl="1"/>
             <a:r>
-              <a:rPr lang="zh-CN" altLang="en-US" smtClean="0"/>
+              <a:rPr lang="zh-CN" altLang="en-US"/>
               <a:t>第二级</a:t>
             </a:r>
           </a:p>
           <a:p>
             <a:pPr lvl="2"/>
             <a:r>
-              <a:rPr lang="zh-CN" altLang="en-US" smtClean="0"/>
+              <a:rPr lang="zh-CN" altLang="en-US"/>
               <a:t>第三级</a:t>
             </a:r>
           </a:p>
           <a:p>
             <a:pPr lvl="3"/>
             <a:r>
-              <a:rPr lang="zh-CN" altLang="en-US" smtClean="0"/>
+              <a:rPr lang="zh-CN" altLang="en-US"/>
               <a:t>第四级</a:t>
             </a:r>
           </a:p>
           <a:p>
             <a:pPr lvl="4"/>
             <a:r>
-              <a:rPr lang="zh-CN" altLang="en-US" smtClean="0"/>
+              <a:rPr lang="zh-CN" altLang="en-US"/>
               <a:t>第五级</a:t>
             </a:r>
-            <a:endParaRPr lang="zh-CN" altLang="en-US"/>
           </a:p>
         </p:txBody>
       </p:sp>
@@ -1236,7 +1229,7 @@
           <a:p>
             <a:fld id="{245B3880-F4C6-4948-9F48-C0865E4DD07D}" type="datetimeFigureOut">
               <a:rPr lang="zh-CN" altLang="en-US" smtClean="0"/>
-              <a:t>2018/11/30</a:t>
+              <a:t>2019/2/21</a:t>
             </a:fld>
             <a:endParaRPr lang="zh-CN" altLang="en-US"/>
           </a:p>
@@ -1335,10 +1328,9 @@
           <a:lstStyle/>
           <a:p>
             <a:r>
-              <a:rPr lang="zh-CN" altLang="en-US" smtClean="0"/>
+              <a:rPr lang="zh-CN" altLang="en-US"/>
               <a:t>单击此处编辑母版标题样式</a:t>
             </a:r>
-            <a:endParaRPr lang="zh-CN" altLang="en-US"/>
           </a:p>
         </p:txBody>
       </p:sp>
@@ -1401,7 +1393,7 @@
           <a:p>
             <a:pPr lvl="0"/>
             <a:r>
-              <a:rPr lang="zh-CN" altLang="en-US" smtClean="0"/>
+              <a:rPr lang="zh-CN" altLang="en-US"/>
               <a:t>单击此处编辑母版文本样式</a:t>
             </a:r>
           </a:p>
@@ -1429,38 +1421,37 @@
           <a:p>
             <a:pPr lvl="0"/>
             <a:r>
-              <a:rPr lang="zh-CN" altLang="en-US" smtClean="0"/>
+              <a:rPr lang="zh-CN" altLang="en-US"/>
               <a:t>单击此处编辑母版文本样式</a:t>
             </a:r>
           </a:p>
           <a:p>
             <a:pPr lvl="1"/>
             <a:r>
-              <a:rPr lang="zh-CN" altLang="en-US" smtClean="0"/>
+              <a:rPr lang="zh-CN" altLang="en-US"/>
               <a:t>第二级</a:t>
             </a:r>
           </a:p>
           <a:p>
             <a:pPr lvl="2"/>
             <a:r>
-              <a:rPr lang="zh-CN" altLang="en-US" smtClean="0"/>
+              <a:rPr lang="zh-CN" altLang="en-US"/>
               <a:t>第三级</a:t>
             </a:r>
           </a:p>
           <a:p>
             <a:pPr lvl="3"/>
             <a:r>
-              <a:rPr lang="zh-CN" altLang="en-US" smtClean="0"/>
+              <a:rPr lang="zh-CN" altLang="en-US"/>
               <a:t>第四级</a:t>
             </a:r>
           </a:p>
           <a:p>
             <a:pPr lvl="4"/>
             <a:r>
-              <a:rPr lang="zh-CN" altLang="en-US" smtClean="0"/>
+              <a:rPr lang="zh-CN" altLang="en-US"/>
               <a:t>第五级</a:t>
             </a:r>
-            <a:endParaRPr lang="zh-CN" altLang="en-US"/>
           </a:p>
         </p:txBody>
       </p:sp>
@@ -1523,7 +1514,7 @@
           <a:p>
             <a:pPr lvl="0"/>
             <a:r>
-              <a:rPr lang="zh-CN" altLang="en-US" smtClean="0"/>
+              <a:rPr lang="zh-CN" altLang="en-US"/>
               <a:t>单击此处编辑母版文本样式</a:t>
             </a:r>
           </a:p>
@@ -1551,38 +1542,37 @@
           <a:p>
             <a:pPr lvl="0"/>
             <a:r>
-              <a:rPr lang="zh-CN" altLang="en-US" smtClean="0"/>
+              <a:rPr lang="zh-CN" altLang="en-US"/>
               <a:t>单击此处编辑母版文本样式</a:t>
             </a:r>
           </a:p>
           <a:p>
             <a:pPr lvl="1"/>
             <a:r>
-              <a:rPr lang="zh-CN" altLang="en-US" smtClean="0"/>
+              <a:rPr lang="zh-CN" altLang="en-US"/>
               <a:t>第二级</a:t>
             </a:r>
           </a:p>
           <a:p>
             <a:pPr lvl="2"/>
             <a:r>
-              <a:rPr lang="zh-CN" altLang="en-US" smtClean="0"/>
+              <a:rPr lang="zh-CN" altLang="en-US"/>
               <a:t>第三级</a:t>
             </a:r>
           </a:p>
           <a:p>
             <a:pPr lvl="3"/>
             <a:r>
-              <a:rPr lang="zh-CN" altLang="en-US" smtClean="0"/>
+              <a:rPr lang="zh-CN" altLang="en-US"/>
               <a:t>第四级</a:t>
             </a:r>
           </a:p>
           <a:p>
             <a:pPr lvl="4"/>
             <a:r>
-              <a:rPr lang="zh-CN" altLang="en-US" smtClean="0"/>
+              <a:rPr lang="zh-CN" altLang="en-US"/>
               <a:t>第五级</a:t>
             </a:r>
-            <a:endParaRPr lang="zh-CN" altLang="en-US"/>
           </a:p>
         </p:txBody>
       </p:sp>
@@ -1603,7 +1593,7 @@
           <a:p>
             <a:fld id="{245B3880-F4C6-4948-9F48-C0865E4DD07D}" type="datetimeFigureOut">
               <a:rPr lang="zh-CN" altLang="en-US" smtClean="0"/>
-              <a:t>2018/11/30</a:t>
+              <a:t>2019/2/21</a:t>
             </a:fld>
             <a:endParaRPr lang="zh-CN" altLang="en-US"/>
           </a:p>
@@ -1697,10 +1687,9 @@
           <a:lstStyle/>
           <a:p>
             <a:r>
-              <a:rPr lang="zh-CN" altLang="en-US" smtClean="0"/>
+              <a:rPr lang="zh-CN" altLang="en-US"/>
               <a:t>单击此处编辑母版标题样式</a:t>
             </a:r>
-            <a:endParaRPr lang="zh-CN" altLang="en-US"/>
           </a:p>
         </p:txBody>
       </p:sp>
@@ -1721,7 +1710,7 @@
           <a:p>
             <a:fld id="{245B3880-F4C6-4948-9F48-C0865E4DD07D}" type="datetimeFigureOut">
               <a:rPr lang="zh-CN" altLang="en-US" smtClean="0"/>
-              <a:t>2018/11/30</a:t>
+              <a:t>2019/2/21</a:t>
             </a:fld>
             <a:endParaRPr lang="zh-CN" altLang="en-US"/>
           </a:p>
@@ -1816,7 +1805,7 @@
           <a:p>
             <a:fld id="{245B3880-F4C6-4948-9F48-C0865E4DD07D}" type="datetimeFigureOut">
               <a:rPr lang="zh-CN" altLang="en-US" smtClean="0"/>
-              <a:t>2018/11/30</a:t>
+              <a:t>2019/2/21</a:t>
             </a:fld>
             <a:endParaRPr lang="zh-CN" altLang="en-US"/>
           </a:p>
@@ -1919,10 +1908,9 @@
           </a:lstStyle>
           <a:p>
             <a:r>
-              <a:rPr lang="zh-CN" altLang="en-US" smtClean="0"/>
+              <a:rPr lang="zh-CN" altLang="en-US"/>
               <a:t>单击此处编辑母版标题样式</a:t>
             </a:r>
-            <a:endParaRPr lang="zh-CN" altLang="en-US"/>
           </a:p>
         </p:txBody>
       </p:sp>
@@ -1976,38 +1964,37 @@
           <a:p>
             <a:pPr lvl="0"/>
             <a:r>
-              <a:rPr lang="zh-CN" altLang="en-US" smtClean="0"/>
+              <a:rPr lang="zh-CN" altLang="en-US"/>
               <a:t>单击此处编辑母版文本样式</a:t>
             </a:r>
           </a:p>
           <a:p>
             <a:pPr lvl="1"/>
             <a:r>
-              <a:rPr lang="zh-CN" altLang="en-US" smtClean="0"/>
+              <a:rPr lang="zh-CN" altLang="en-US"/>
               <a:t>第二级</a:t>
             </a:r>
           </a:p>
           <a:p>
             <a:pPr lvl="2"/>
             <a:r>
-              <a:rPr lang="zh-CN" altLang="en-US" smtClean="0"/>
+              <a:rPr lang="zh-CN" altLang="en-US"/>
               <a:t>第三级</a:t>
             </a:r>
           </a:p>
           <a:p>
             <a:pPr lvl="3"/>
             <a:r>
-              <a:rPr lang="zh-CN" altLang="en-US" smtClean="0"/>
+              <a:rPr lang="zh-CN" altLang="en-US"/>
               <a:t>第四级</a:t>
             </a:r>
           </a:p>
           <a:p>
             <a:pPr lvl="4"/>
             <a:r>
-              <a:rPr lang="zh-CN" altLang="en-US" smtClean="0"/>
+              <a:rPr lang="zh-CN" altLang="en-US"/>
               <a:t>第五级</a:t>
             </a:r>
-            <a:endParaRPr lang="zh-CN" altLang="en-US"/>
           </a:p>
         </p:txBody>
       </p:sp>
@@ -2070,7 +2057,7 @@
           <a:p>
             <a:pPr lvl="0"/>
             <a:r>
-              <a:rPr lang="zh-CN" altLang="en-US" smtClean="0"/>
+              <a:rPr lang="zh-CN" altLang="en-US"/>
               <a:t>单击此处编辑母版文本样式</a:t>
             </a:r>
           </a:p>
@@ -2093,7 +2080,7 @@
           <a:p>
             <a:fld id="{245B3880-F4C6-4948-9F48-C0865E4DD07D}" type="datetimeFigureOut">
               <a:rPr lang="zh-CN" altLang="en-US" smtClean="0"/>
-              <a:t>2018/11/30</a:t>
+              <a:t>2019/2/21</a:t>
             </a:fld>
             <a:endParaRPr lang="zh-CN" altLang="en-US"/>
           </a:p>
@@ -2196,10 +2183,9 @@
           </a:lstStyle>
           <a:p>
             <a:r>
-              <a:rPr lang="zh-CN" altLang="en-US" smtClean="0"/>
+              <a:rPr lang="zh-CN" altLang="en-US"/>
               <a:t>单击此处编辑母版标题样式</a:t>
             </a:r>
-            <a:endParaRPr lang="zh-CN" altLang="en-US"/>
           </a:p>
         </p:txBody>
       </p:sp>
@@ -2323,7 +2309,7 @@
           <a:p>
             <a:pPr lvl="0"/>
             <a:r>
-              <a:rPr lang="zh-CN" altLang="en-US" smtClean="0"/>
+              <a:rPr lang="zh-CN" altLang="en-US"/>
               <a:t>单击此处编辑母版文本样式</a:t>
             </a:r>
           </a:p>
@@ -2346,7 +2332,7 @@
           <a:p>
             <a:fld id="{245B3880-F4C6-4948-9F48-C0865E4DD07D}" type="datetimeFigureOut">
               <a:rPr lang="zh-CN" altLang="en-US" smtClean="0"/>
-              <a:t>2018/11/30</a:t>
+              <a:t>2019/2/21</a:t>
             </a:fld>
             <a:endParaRPr lang="zh-CN" altLang="en-US"/>
           </a:p>
@@ -2455,10 +2441,9 @@
           <a:lstStyle/>
           <a:p>
             <a:r>
-              <a:rPr lang="zh-CN" altLang="en-US" smtClean="0"/>
+              <a:rPr lang="zh-CN" altLang="en-US"/>
               <a:t>单击此处编辑母版标题样式</a:t>
             </a:r>
-            <a:endParaRPr lang="zh-CN" altLang="en-US"/>
           </a:p>
         </p:txBody>
       </p:sp>
@@ -2489,38 +2474,37 @@
           <a:p>
             <a:pPr lvl="0"/>
             <a:r>
-              <a:rPr lang="zh-CN" altLang="en-US" smtClean="0"/>
+              <a:rPr lang="zh-CN" altLang="en-US"/>
               <a:t>单击此处编辑母版文本样式</a:t>
             </a:r>
           </a:p>
           <a:p>
             <a:pPr lvl="1"/>
             <a:r>
-              <a:rPr lang="zh-CN" altLang="en-US" smtClean="0"/>
+              <a:rPr lang="zh-CN" altLang="en-US"/>
               <a:t>第二级</a:t>
             </a:r>
           </a:p>
           <a:p>
             <a:pPr lvl="2"/>
             <a:r>
-              <a:rPr lang="zh-CN" altLang="en-US" smtClean="0"/>
+              <a:rPr lang="zh-CN" altLang="en-US"/>
               <a:t>第三级</a:t>
             </a:r>
           </a:p>
           <a:p>
             <a:pPr lvl="3"/>
             <a:r>
-              <a:rPr lang="zh-CN" altLang="en-US" smtClean="0"/>
+              <a:rPr lang="zh-CN" altLang="en-US"/>
               <a:t>第四级</a:t>
             </a:r>
           </a:p>
           <a:p>
             <a:pPr lvl="4"/>
             <a:r>
-              <a:rPr lang="zh-CN" altLang="en-US" smtClean="0"/>
+              <a:rPr lang="zh-CN" altLang="en-US"/>
               <a:t>第五级</a:t>
             </a:r>
-            <a:endParaRPr lang="zh-CN" altLang="en-US"/>
           </a:p>
         </p:txBody>
       </p:sp>
@@ -2559,7 +2543,7 @@
           <a:p>
             <a:fld id="{245B3880-F4C6-4948-9F48-C0865E4DD07D}" type="datetimeFigureOut">
               <a:rPr lang="zh-CN" altLang="en-US" smtClean="0"/>
-              <a:t>2018/11/30</a:t>
+              <a:t>2019/2/21</a:t>
             </a:fld>
             <a:endParaRPr lang="zh-CN" altLang="en-US"/>
           </a:p>
@@ -2966,7 +2950,13 @@
       </p:grpSpPr>
       <p:grpSp>
         <p:nvGrpSpPr>
-          <p:cNvPr id="24" name="组合 23"/>
+          <p:cNvPr id="2" name="组合 1">
+            <a:extLst>
+              <a:ext uri="{FF2B5EF4-FFF2-40B4-BE49-F238E27FC236}">
+                <a16:creationId xmlns:a16="http://schemas.microsoft.com/office/drawing/2014/main" id="{7C7A6611-0F04-CD4F-A192-74FED97B97F5}"/>
+              </a:ext>
+            </a:extLst>
+          </p:cNvPr>
           <p:cNvGrpSpPr/>
           <p:nvPr/>
         </p:nvGrpSpPr>
@@ -2978,148 +2968,933 @@
             <a:chExt cx="8690851" cy="5359940"/>
           </a:xfrm>
         </p:grpSpPr>
+        <p:grpSp>
+          <p:nvGrpSpPr>
+            <p:cNvPr id="3" name="组合 2">
+              <a:extLst>
+                <a:ext uri="{FF2B5EF4-FFF2-40B4-BE49-F238E27FC236}">
+                  <a16:creationId xmlns:a16="http://schemas.microsoft.com/office/drawing/2014/main" id="{8FCB699A-5C59-C04F-B8E3-1AB2699BDC3F}"/>
+                </a:ext>
+              </a:extLst>
+            </p:cNvPr>
+            <p:cNvGrpSpPr/>
+            <p:nvPr/>
+          </p:nvGrpSpPr>
+          <p:grpSpPr>
+            <a:xfrm>
+              <a:off x="2325215" y="544750"/>
+              <a:ext cx="8690851" cy="5359940"/>
+              <a:chOff x="2325215" y="544750"/>
+              <a:chExt cx="8690851" cy="5359940"/>
+            </a:xfrm>
+          </p:grpSpPr>
+          <p:sp>
+            <p:nvSpPr>
+              <p:cNvPr id="8" name="圆角矩形 7"/>
+              <p:cNvSpPr/>
+              <p:nvPr/>
+            </p:nvSpPr>
+            <p:spPr>
+              <a:xfrm>
+                <a:off x="3191280" y="1254868"/>
+                <a:ext cx="6896100" cy="1887216"/>
+              </a:xfrm>
+              <a:prstGeom prst="roundRect">
+                <a:avLst>
+                  <a:gd name="adj" fmla="val 6143"/>
+                </a:avLst>
+              </a:prstGeom>
+              <a:solidFill>
+                <a:schemeClr val="accent5">
+                  <a:lumMod val="20000"/>
+                  <a:lumOff val="80000"/>
+                </a:schemeClr>
+              </a:solidFill>
+              <a:ln w="19050">
+                <a:solidFill>
+                  <a:schemeClr val="tx1"/>
+                </a:solidFill>
+              </a:ln>
+            </p:spPr>
+            <p:style>
+              <a:lnRef idx="2">
+                <a:schemeClr val="accent1">
+                  <a:shade val="50000"/>
+                </a:schemeClr>
+              </a:lnRef>
+              <a:fillRef idx="1">
+                <a:schemeClr val="accent1"/>
+              </a:fillRef>
+              <a:effectRef idx="0">
+                <a:schemeClr val="accent1"/>
+              </a:effectRef>
+              <a:fontRef idx="minor">
+                <a:schemeClr val="lt1"/>
+              </a:fontRef>
+            </p:style>
+            <p:txBody>
+              <a:bodyPr rtlCol="0" anchor="ctr"/>
+              <a:lstStyle/>
+              <a:p>
+                <a:pPr algn="ctr"/>
+                <a:endParaRPr lang="zh-CN" altLang="en-US" sz="1600" dirty="0">
+                  <a:solidFill>
+                    <a:schemeClr val="tx1"/>
+                  </a:solidFill>
+                  <a:latin typeface="微软雅黑" panose="020B0503020204020204" pitchFamily="34" charset="-122"/>
+                  <a:ea typeface="微软雅黑" panose="020B0503020204020204" pitchFamily="34" charset="-122"/>
+                </a:endParaRPr>
+              </a:p>
+            </p:txBody>
+          </p:sp>
+          <p:sp>
+            <p:nvSpPr>
+              <p:cNvPr id="14" name="圆角矩形 13"/>
+              <p:cNvSpPr/>
+              <p:nvPr/>
+            </p:nvSpPr>
+            <p:spPr>
+              <a:xfrm>
+                <a:off x="3191280" y="3337347"/>
+                <a:ext cx="6896100" cy="2440883"/>
+              </a:xfrm>
+              <a:prstGeom prst="roundRect">
+                <a:avLst>
+                  <a:gd name="adj" fmla="val 6143"/>
+                </a:avLst>
+              </a:prstGeom>
+              <a:solidFill>
+                <a:schemeClr val="accent6">
+                  <a:lumMod val="20000"/>
+                  <a:lumOff val="80000"/>
+                </a:schemeClr>
+              </a:solidFill>
+              <a:ln w="19050">
+                <a:solidFill>
+                  <a:schemeClr val="tx1"/>
+                </a:solidFill>
+              </a:ln>
+            </p:spPr>
+            <p:style>
+              <a:lnRef idx="2">
+                <a:schemeClr val="accent1">
+                  <a:shade val="50000"/>
+                </a:schemeClr>
+              </a:lnRef>
+              <a:fillRef idx="1">
+                <a:schemeClr val="accent1"/>
+              </a:fillRef>
+              <a:effectRef idx="0">
+                <a:schemeClr val="accent1"/>
+              </a:effectRef>
+              <a:fontRef idx="minor">
+                <a:schemeClr val="lt1"/>
+              </a:fontRef>
+            </p:style>
+            <p:txBody>
+              <a:bodyPr rtlCol="0" anchor="ctr"/>
+              <a:lstStyle/>
+              <a:p>
+                <a:pPr algn="ctr"/>
+                <a:endParaRPr lang="zh-CN" altLang="en-US" sz="1600" dirty="0">
+                  <a:solidFill>
+                    <a:schemeClr val="tx1"/>
+                  </a:solidFill>
+                  <a:latin typeface="微软雅黑" panose="020B0503020204020204" pitchFamily="34" charset="-122"/>
+                  <a:ea typeface="微软雅黑" panose="020B0503020204020204" pitchFamily="34" charset="-122"/>
+                </a:endParaRPr>
+              </a:p>
+            </p:txBody>
+          </p:sp>
+          <p:sp>
+            <p:nvSpPr>
+              <p:cNvPr id="4" name="圆角矩形 3"/>
+              <p:cNvSpPr/>
+              <p:nvPr/>
+            </p:nvSpPr>
+            <p:spPr>
+              <a:xfrm>
+                <a:off x="3619905" y="1766588"/>
+                <a:ext cx="6019800" cy="514350"/>
+              </a:xfrm>
+              <a:prstGeom prst="roundRect">
+                <a:avLst/>
+              </a:prstGeom>
+              <a:solidFill>
+                <a:schemeClr val="accent1">
+                  <a:lumMod val="20000"/>
+                  <a:lumOff val="80000"/>
+                </a:schemeClr>
+              </a:solidFill>
+              <a:ln w="19050">
+                <a:solidFill>
+                  <a:schemeClr val="tx1"/>
+                </a:solidFill>
+              </a:ln>
+            </p:spPr>
+            <p:style>
+              <a:lnRef idx="2">
+                <a:schemeClr val="accent1">
+                  <a:shade val="50000"/>
+                </a:schemeClr>
+              </a:lnRef>
+              <a:fillRef idx="1">
+                <a:schemeClr val="accent1"/>
+              </a:fillRef>
+              <a:effectRef idx="0">
+                <a:schemeClr val="accent1"/>
+              </a:effectRef>
+              <a:fontRef idx="minor">
+                <a:schemeClr val="lt1"/>
+              </a:fontRef>
+            </p:style>
+            <p:txBody>
+              <a:bodyPr rtlCol="0" anchor="ctr"/>
+              <a:lstStyle/>
+              <a:p>
+                <a:pPr algn="ctr"/>
+                <a:r>
+                  <a:rPr lang="zh-CN" altLang="en-US" sz="1600" dirty="0">
+                    <a:solidFill>
+                      <a:schemeClr val="tx1"/>
+                    </a:solidFill>
+                    <a:latin typeface="微软雅黑" panose="020B0503020204020204" pitchFamily="34" charset="-122"/>
+                    <a:ea typeface="微软雅黑" panose="020B0503020204020204" pitchFamily="34" charset="-122"/>
+                  </a:rPr>
+                  <a:t>报表</a:t>
+                </a:r>
+              </a:p>
+            </p:txBody>
+          </p:sp>
+          <p:sp>
+            <p:nvSpPr>
+              <p:cNvPr id="5" name="圆角矩形 4"/>
+              <p:cNvSpPr/>
+              <p:nvPr/>
+            </p:nvSpPr>
+            <p:spPr>
+              <a:xfrm>
+                <a:off x="3619905" y="2440428"/>
+                <a:ext cx="1838325" cy="514350"/>
+              </a:xfrm>
+              <a:prstGeom prst="roundRect">
+                <a:avLst/>
+              </a:prstGeom>
+              <a:solidFill>
+                <a:schemeClr val="accent1">
+                  <a:lumMod val="20000"/>
+                  <a:lumOff val="80000"/>
+                </a:schemeClr>
+              </a:solidFill>
+              <a:ln w="19050">
+                <a:solidFill>
+                  <a:schemeClr val="tx1"/>
+                </a:solidFill>
+              </a:ln>
+            </p:spPr>
+            <p:style>
+              <a:lnRef idx="2">
+                <a:schemeClr val="accent1">
+                  <a:shade val="50000"/>
+                </a:schemeClr>
+              </a:lnRef>
+              <a:fillRef idx="1">
+                <a:schemeClr val="accent1"/>
+              </a:fillRef>
+              <a:effectRef idx="0">
+                <a:schemeClr val="accent1"/>
+              </a:effectRef>
+              <a:fontRef idx="minor">
+                <a:schemeClr val="lt1"/>
+              </a:fontRef>
+            </p:style>
+            <p:txBody>
+              <a:bodyPr rtlCol="0" anchor="ctr"/>
+              <a:lstStyle/>
+              <a:p>
+                <a:pPr algn="ctr"/>
+                <a:r>
+                  <a:rPr lang="zh-CN" altLang="en-US" sz="1600" dirty="0">
+                    <a:solidFill>
+                      <a:schemeClr val="tx1"/>
+                    </a:solidFill>
+                    <a:latin typeface="微软雅黑" panose="020B0503020204020204" pitchFamily="34" charset="-122"/>
+                    <a:ea typeface="微软雅黑" panose="020B0503020204020204" pitchFamily="34" charset="-122"/>
+                  </a:rPr>
+                  <a:t>可视化组件库</a:t>
+                </a:r>
+              </a:p>
+            </p:txBody>
+          </p:sp>
+          <p:sp>
+            <p:nvSpPr>
+              <p:cNvPr id="6" name="圆角矩形 5"/>
+              <p:cNvSpPr/>
+              <p:nvPr/>
+            </p:nvSpPr>
+            <p:spPr>
+              <a:xfrm>
+                <a:off x="5705880" y="2440428"/>
+                <a:ext cx="1838325" cy="514350"/>
+              </a:xfrm>
+              <a:prstGeom prst="roundRect">
+                <a:avLst/>
+              </a:prstGeom>
+              <a:solidFill>
+                <a:schemeClr val="accent1">
+                  <a:lumMod val="20000"/>
+                  <a:lumOff val="80000"/>
+                </a:schemeClr>
+              </a:solidFill>
+              <a:ln w="19050">
+                <a:solidFill>
+                  <a:schemeClr val="tx1"/>
+                </a:solidFill>
+              </a:ln>
+            </p:spPr>
+            <p:style>
+              <a:lnRef idx="2">
+                <a:schemeClr val="accent1">
+                  <a:shade val="50000"/>
+                </a:schemeClr>
+              </a:lnRef>
+              <a:fillRef idx="1">
+                <a:schemeClr val="accent1"/>
+              </a:fillRef>
+              <a:effectRef idx="0">
+                <a:schemeClr val="accent1"/>
+              </a:effectRef>
+              <a:fontRef idx="minor">
+                <a:schemeClr val="lt1"/>
+              </a:fontRef>
+            </p:style>
+            <p:txBody>
+              <a:bodyPr rtlCol="0" anchor="ctr"/>
+              <a:lstStyle/>
+              <a:p>
+                <a:pPr algn="ctr"/>
+                <a:r>
+                  <a:rPr lang="zh-CN" altLang="en-US" sz="1600" dirty="0">
+                    <a:solidFill>
+                      <a:schemeClr val="tx1"/>
+                    </a:solidFill>
+                    <a:latin typeface="微软雅黑" panose="020B0503020204020204" pitchFamily="34" charset="-122"/>
+                    <a:ea typeface="微软雅黑" panose="020B0503020204020204" pitchFamily="34" charset="-122"/>
+                  </a:rPr>
+                  <a:t>报表设计器</a:t>
+                </a:r>
+              </a:p>
+            </p:txBody>
+          </p:sp>
+          <p:sp>
+            <p:nvSpPr>
+              <p:cNvPr id="9" name="圆角矩形 8"/>
+              <p:cNvSpPr/>
+              <p:nvPr/>
+            </p:nvSpPr>
+            <p:spPr>
+              <a:xfrm>
+                <a:off x="7801380" y="2440428"/>
+                <a:ext cx="1838325" cy="514350"/>
+              </a:xfrm>
+              <a:prstGeom prst="roundRect">
+                <a:avLst/>
+              </a:prstGeom>
+              <a:solidFill>
+                <a:schemeClr val="accent1">
+                  <a:lumMod val="20000"/>
+                  <a:lumOff val="80000"/>
+                </a:schemeClr>
+              </a:solidFill>
+              <a:ln w="19050">
+                <a:solidFill>
+                  <a:schemeClr val="tx1"/>
+                </a:solidFill>
+              </a:ln>
+            </p:spPr>
+            <p:style>
+              <a:lnRef idx="2">
+                <a:schemeClr val="accent1">
+                  <a:shade val="50000"/>
+                </a:schemeClr>
+              </a:lnRef>
+              <a:fillRef idx="1">
+                <a:schemeClr val="accent1"/>
+              </a:fillRef>
+              <a:effectRef idx="0">
+                <a:schemeClr val="accent1"/>
+              </a:effectRef>
+              <a:fontRef idx="minor">
+                <a:schemeClr val="lt1"/>
+              </a:fontRef>
+            </p:style>
+            <p:txBody>
+              <a:bodyPr rtlCol="0" anchor="ctr"/>
+              <a:lstStyle/>
+              <a:p>
+                <a:pPr algn="ctr"/>
+                <a:r>
+                  <a:rPr lang="zh-CN" altLang="en-US" sz="1600" dirty="0">
+                    <a:solidFill>
+                      <a:schemeClr val="tx1"/>
+                    </a:solidFill>
+                    <a:latin typeface="微软雅黑" panose="020B0503020204020204" pitchFamily="34" charset="-122"/>
+                    <a:ea typeface="微软雅黑" panose="020B0503020204020204" pitchFamily="34" charset="-122"/>
+                  </a:rPr>
+                  <a:t>报表管理器</a:t>
+                </a:r>
+              </a:p>
+            </p:txBody>
+          </p:sp>
+          <p:sp>
+            <p:nvSpPr>
+              <p:cNvPr id="12" name="圆角矩形 11"/>
+              <p:cNvSpPr/>
+              <p:nvPr/>
+            </p:nvSpPr>
+            <p:spPr>
+              <a:xfrm>
+                <a:off x="3629429" y="3802246"/>
+                <a:ext cx="6010276" cy="514350"/>
+              </a:xfrm>
+              <a:prstGeom prst="roundRect">
+                <a:avLst/>
+              </a:prstGeom>
+              <a:solidFill>
+                <a:schemeClr val="bg1">
+                  <a:lumMod val="95000"/>
+                </a:schemeClr>
+              </a:solidFill>
+              <a:ln w="19050">
+                <a:solidFill>
+                  <a:schemeClr val="tx1"/>
+                </a:solidFill>
+              </a:ln>
+            </p:spPr>
+            <p:style>
+              <a:lnRef idx="2">
+                <a:schemeClr val="accent1">
+                  <a:shade val="50000"/>
+                </a:schemeClr>
+              </a:lnRef>
+              <a:fillRef idx="1">
+                <a:schemeClr val="accent1"/>
+              </a:fillRef>
+              <a:effectRef idx="0">
+                <a:schemeClr val="accent1"/>
+              </a:effectRef>
+              <a:fontRef idx="minor">
+                <a:schemeClr val="lt1"/>
+              </a:fontRef>
+            </p:style>
+            <p:txBody>
+              <a:bodyPr rtlCol="0" anchor="ctr"/>
+              <a:lstStyle/>
+              <a:p>
+                <a:pPr algn="ctr"/>
+                <a:r>
+                  <a:rPr lang="zh-CN" altLang="en-US" sz="1600" dirty="0">
+                    <a:solidFill>
+                      <a:schemeClr val="tx1"/>
+                    </a:solidFill>
+                    <a:latin typeface="微软雅黑" panose="020B0503020204020204" pitchFamily="34" charset="-122"/>
+                    <a:ea typeface="微软雅黑" panose="020B0503020204020204" pitchFamily="34" charset="-122"/>
+                  </a:rPr>
+                  <a:t>数据集</a:t>
+                </a:r>
+              </a:p>
+            </p:txBody>
+          </p:sp>
+          <p:sp>
+            <p:nvSpPr>
+              <p:cNvPr id="15" name="圆角矩形 14"/>
+              <p:cNvSpPr/>
+              <p:nvPr/>
+            </p:nvSpPr>
+            <p:spPr>
+              <a:xfrm>
+                <a:off x="3629429" y="5124619"/>
+                <a:ext cx="6019801" cy="514350"/>
+              </a:xfrm>
+              <a:prstGeom prst="roundRect">
+                <a:avLst/>
+              </a:prstGeom>
+              <a:solidFill>
+                <a:schemeClr val="bg1">
+                  <a:lumMod val="75000"/>
+                </a:schemeClr>
+              </a:solidFill>
+              <a:ln w="19050">
+                <a:solidFill>
+                  <a:schemeClr val="tx1"/>
+                </a:solidFill>
+              </a:ln>
+            </p:spPr>
+            <p:style>
+              <a:lnRef idx="2">
+                <a:schemeClr val="accent1">
+                  <a:shade val="50000"/>
+                </a:schemeClr>
+              </a:lnRef>
+              <a:fillRef idx="1">
+                <a:schemeClr val="accent1"/>
+              </a:fillRef>
+              <a:effectRef idx="0">
+                <a:schemeClr val="accent1"/>
+              </a:effectRef>
+              <a:fontRef idx="minor">
+                <a:schemeClr val="lt1"/>
+              </a:fontRef>
+            </p:style>
+            <p:txBody>
+              <a:bodyPr rtlCol="0" anchor="ctr"/>
+              <a:lstStyle/>
+              <a:p>
+                <a:pPr algn="ctr"/>
+                <a:r>
+                  <a:rPr lang="zh-CN" altLang="en-US" sz="1600" dirty="0">
+                    <a:solidFill>
+                      <a:schemeClr val="tx1"/>
+                    </a:solidFill>
+                    <a:latin typeface="微软雅黑" panose="020B0503020204020204" pitchFamily="34" charset="-122"/>
+                    <a:ea typeface="微软雅黑" panose="020B0503020204020204" pitchFamily="34" charset="-122"/>
+                  </a:rPr>
+                  <a:t>数据源</a:t>
+                </a:r>
+              </a:p>
+            </p:txBody>
+          </p:sp>
+          <p:sp>
+            <p:nvSpPr>
+              <p:cNvPr id="16" name="文本框 15"/>
+              <p:cNvSpPr txBox="1"/>
+              <p:nvPr/>
+            </p:nvSpPr>
+            <p:spPr>
+              <a:xfrm>
+                <a:off x="6279406" y="3385131"/>
+                <a:ext cx="1362075" cy="369332"/>
+              </a:xfrm>
+              <a:prstGeom prst="rect">
+                <a:avLst/>
+              </a:prstGeom>
+              <a:noFill/>
+            </p:spPr>
+            <p:txBody>
+              <a:bodyPr wrap="square" rtlCol="0">
+                <a:spAutoFit/>
+              </a:bodyPr>
+              <a:lstStyle/>
+              <a:p>
+                <a:r>
+                  <a:rPr lang="en-US" altLang="zh-CN" dirty="0"/>
+                  <a:t>Data</a:t>
+                </a:r>
+                <a:endParaRPr lang="zh-CN" altLang="en-US" dirty="0"/>
+              </a:p>
+            </p:txBody>
+          </p:sp>
+          <p:sp>
+            <p:nvSpPr>
+              <p:cNvPr id="17" name="圆角矩形 16"/>
+              <p:cNvSpPr/>
+              <p:nvPr/>
+            </p:nvSpPr>
+            <p:spPr>
+              <a:xfrm>
+                <a:off x="6780786" y="4464284"/>
+                <a:ext cx="2868444" cy="514350"/>
+              </a:xfrm>
+              <a:prstGeom prst="roundRect">
+                <a:avLst/>
+              </a:prstGeom>
+              <a:solidFill>
+                <a:schemeClr val="bg1">
+                  <a:lumMod val="95000"/>
+                </a:schemeClr>
+              </a:solidFill>
+              <a:ln w="19050">
+                <a:solidFill>
+                  <a:schemeClr val="tx1"/>
+                </a:solidFill>
+              </a:ln>
+            </p:spPr>
+            <p:style>
+              <a:lnRef idx="2">
+                <a:schemeClr val="accent1">
+                  <a:shade val="50000"/>
+                </a:schemeClr>
+              </a:lnRef>
+              <a:fillRef idx="1">
+                <a:schemeClr val="accent1"/>
+              </a:fillRef>
+              <a:effectRef idx="0">
+                <a:schemeClr val="accent1"/>
+              </a:effectRef>
+              <a:fontRef idx="minor">
+                <a:schemeClr val="lt1"/>
+              </a:fontRef>
+            </p:style>
+            <p:txBody>
+              <a:bodyPr rtlCol="0" anchor="ctr"/>
+              <a:lstStyle/>
+              <a:p>
+                <a:pPr algn="ctr"/>
+                <a:r>
+                  <a:rPr lang="zh-CN" altLang="en-US" sz="1600" dirty="0">
+                    <a:solidFill>
+                      <a:schemeClr val="tx1"/>
+                    </a:solidFill>
+                    <a:latin typeface="微软雅黑" panose="020B0503020204020204" pitchFamily="34" charset="-122"/>
+                    <a:ea typeface="微软雅黑" panose="020B0503020204020204" pitchFamily="34" charset="-122"/>
+                  </a:rPr>
+                  <a:t>数据集管理器</a:t>
+                </a:r>
+              </a:p>
+            </p:txBody>
+          </p:sp>
+          <p:sp>
+            <p:nvSpPr>
+              <p:cNvPr id="18" name="圆角矩形 17"/>
+              <p:cNvSpPr/>
+              <p:nvPr/>
+            </p:nvSpPr>
+            <p:spPr>
+              <a:xfrm>
+                <a:off x="3629430" y="4464284"/>
+                <a:ext cx="2868444" cy="514350"/>
+              </a:xfrm>
+              <a:prstGeom prst="roundRect">
+                <a:avLst/>
+              </a:prstGeom>
+              <a:solidFill>
+                <a:schemeClr val="bg1">
+                  <a:lumMod val="95000"/>
+                </a:schemeClr>
+              </a:solidFill>
+              <a:ln w="19050">
+                <a:solidFill>
+                  <a:schemeClr val="tx1"/>
+                </a:solidFill>
+              </a:ln>
+            </p:spPr>
+            <p:style>
+              <a:lnRef idx="2">
+                <a:schemeClr val="accent1">
+                  <a:shade val="50000"/>
+                </a:schemeClr>
+              </a:lnRef>
+              <a:fillRef idx="1">
+                <a:schemeClr val="accent1"/>
+              </a:fillRef>
+              <a:effectRef idx="0">
+                <a:schemeClr val="accent1"/>
+              </a:effectRef>
+              <a:fontRef idx="minor">
+                <a:schemeClr val="lt1"/>
+              </a:fontRef>
+            </p:style>
+            <p:txBody>
+              <a:bodyPr rtlCol="0" anchor="ctr"/>
+              <a:lstStyle/>
+              <a:p>
+                <a:pPr algn="ctr"/>
+                <a:r>
+                  <a:rPr lang="zh-CN" altLang="en-US" sz="1600" dirty="0">
+                    <a:solidFill>
+                      <a:schemeClr val="tx1"/>
+                    </a:solidFill>
+                    <a:latin typeface="微软雅黑" panose="020B0503020204020204" pitchFamily="34" charset="-122"/>
+                    <a:ea typeface="微软雅黑" panose="020B0503020204020204" pitchFamily="34" charset="-122"/>
+                  </a:rPr>
+                  <a:t>数据集设计器</a:t>
+                </a:r>
+              </a:p>
+            </p:txBody>
+          </p:sp>
+          <p:sp>
+            <p:nvSpPr>
+              <p:cNvPr id="20" name="矩形 19"/>
+              <p:cNvSpPr/>
+              <p:nvPr/>
+            </p:nvSpPr>
+            <p:spPr>
+              <a:xfrm>
+                <a:off x="2325215" y="544750"/>
+                <a:ext cx="515566" cy="5359940"/>
+              </a:xfrm>
+              <a:prstGeom prst="rect">
+                <a:avLst/>
+              </a:prstGeom>
+              <a:solidFill>
+                <a:schemeClr val="accent5">
+                  <a:lumMod val="20000"/>
+                  <a:lumOff val="80000"/>
+                </a:schemeClr>
+              </a:solidFill>
+              <a:ln w="12700">
+                <a:noFill/>
+                <a:prstDash val="sysDash"/>
+              </a:ln>
+            </p:spPr>
+            <p:style>
+              <a:lnRef idx="2">
+                <a:schemeClr val="accent1">
+                  <a:shade val="50000"/>
+                </a:schemeClr>
+              </a:lnRef>
+              <a:fillRef idx="1">
+                <a:schemeClr val="accent1"/>
+              </a:fillRef>
+              <a:effectRef idx="0">
+                <a:schemeClr val="accent1"/>
+              </a:effectRef>
+              <a:fontRef idx="minor">
+                <a:schemeClr val="lt1"/>
+              </a:fontRef>
+            </p:style>
+            <p:txBody>
+              <a:bodyPr rtlCol="0" anchor="ctr"/>
+              <a:lstStyle/>
+              <a:p>
+                <a:pPr algn="ctr"/>
+                <a:r>
+                  <a:rPr lang="zh-CN" altLang="en-US" sz="1600" dirty="0">
+                    <a:solidFill>
+                      <a:schemeClr val="tx1"/>
+                    </a:solidFill>
+                    <a:latin typeface="微软雅黑" panose="020B0503020204020204" pitchFamily="34" charset="-122"/>
+                    <a:ea typeface="微软雅黑" panose="020B0503020204020204" pitchFamily="34" charset="-122"/>
+                  </a:rPr>
+                  <a:t>组织间资源隔离</a:t>
+                </a:r>
+              </a:p>
+            </p:txBody>
+          </p:sp>
+          <p:sp>
+            <p:nvSpPr>
+              <p:cNvPr id="21" name="矩形 20"/>
+              <p:cNvSpPr/>
+              <p:nvPr/>
+            </p:nvSpPr>
+            <p:spPr>
+              <a:xfrm>
+                <a:off x="10500500" y="544750"/>
+                <a:ext cx="515566" cy="5359940"/>
+              </a:xfrm>
+              <a:prstGeom prst="rect">
+                <a:avLst/>
+              </a:prstGeom>
+              <a:solidFill>
+                <a:schemeClr val="accent5">
+                  <a:lumMod val="20000"/>
+                  <a:lumOff val="80000"/>
+                </a:schemeClr>
+              </a:solidFill>
+              <a:ln w="12700">
+                <a:noFill/>
+                <a:prstDash val="sysDash"/>
+              </a:ln>
+            </p:spPr>
+            <p:style>
+              <a:lnRef idx="2">
+                <a:schemeClr val="accent1">
+                  <a:shade val="50000"/>
+                </a:schemeClr>
+              </a:lnRef>
+              <a:fillRef idx="1">
+                <a:schemeClr val="accent1"/>
+              </a:fillRef>
+              <a:effectRef idx="0">
+                <a:schemeClr val="accent1"/>
+              </a:effectRef>
+              <a:fontRef idx="minor">
+                <a:schemeClr val="lt1"/>
+              </a:fontRef>
+            </p:style>
+            <p:txBody>
+              <a:bodyPr rtlCol="0" anchor="ctr"/>
+              <a:lstStyle/>
+              <a:p>
+                <a:pPr algn="ctr"/>
+                <a:r>
+                  <a:rPr lang="zh-CN" altLang="en-US" sz="1600" dirty="0">
+                    <a:solidFill>
+                      <a:schemeClr val="tx1"/>
+                    </a:solidFill>
+                    <a:latin typeface="微软雅黑" panose="020B0503020204020204" pitchFamily="34" charset="-122"/>
+                    <a:ea typeface="微软雅黑" panose="020B0503020204020204" pitchFamily="34" charset="-122"/>
+                  </a:rPr>
+                  <a:t>安全管理</a:t>
+                </a:r>
+              </a:p>
+            </p:txBody>
+          </p:sp>
+          <p:sp>
+            <p:nvSpPr>
+              <p:cNvPr id="22" name="圆角矩形 21"/>
+              <p:cNvSpPr/>
+              <p:nvPr/>
+            </p:nvSpPr>
+            <p:spPr>
+              <a:xfrm>
+                <a:off x="3015575" y="544750"/>
+                <a:ext cx="7227651" cy="5359940"/>
+              </a:xfrm>
+              <a:prstGeom prst="roundRect">
+                <a:avLst>
+                  <a:gd name="adj" fmla="val 2603"/>
+                </a:avLst>
+              </a:prstGeom>
+              <a:noFill/>
+              <a:ln w="19050">
+                <a:solidFill>
+                  <a:schemeClr val="tx1"/>
+                </a:solidFill>
+                <a:prstDash val="sysDash"/>
+              </a:ln>
+            </p:spPr>
+            <p:style>
+              <a:lnRef idx="2">
+                <a:schemeClr val="accent1">
+                  <a:shade val="50000"/>
+                </a:schemeClr>
+              </a:lnRef>
+              <a:fillRef idx="1">
+                <a:schemeClr val="accent1"/>
+              </a:fillRef>
+              <a:effectRef idx="0">
+                <a:schemeClr val="accent1"/>
+              </a:effectRef>
+              <a:fontRef idx="minor">
+                <a:schemeClr val="lt1"/>
+              </a:fontRef>
+            </p:style>
+            <p:txBody>
+              <a:bodyPr rtlCol="0" anchor="ctr"/>
+              <a:lstStyle/>
+              <a:p>
+                <a:pPr algn="ctr"/>
+                <a:endParaRPr lang="zh-CN" altLang="en-US">
+                  <a:solidFill>
+                    <a:schemeClr val="tx1"/>
+                  </a:solidFill>
+                </a:endParaRPr>
+              </a:p>
+            </p:txBody>
+          </p:sp>
+          <p:sp>
+            <p:nvSpPr>
+              <p:cNvPr id="23" name="文本框 22"/>
+              <p:cNvSpPr txBox="1"/>
+              <p:nvPr/>
+            </p:nvSpPr>
+            <p:spPr>
+              <a:xfrm>
+                <a:off x="5987677" y="674433"/>
+                <a:ext cx="1581150" cy="369332"/>
+              </a:xfrm>
+              <a:prstGeom prst="rect">
+                <a:avLst/>
+              </a:prstGeom>
+              <a:noFill/>
+            </p:spPr>
+            <p:txBody>
+              <a:bodyPr wrap="square" rtlCol="0">
+                <a:spAutoFit/>
+              </a:bodyPr>
+              <a:lstStyle/>
+              <a:p>
+                <a:pPr algn="ctr"/>
+                <a:endParaRPr lang="zh-CN" altLang="en-US" dirty="0">
+                  <a:cs typeface="Calibri" panose="020F0502020204030204" pitchFamily="34" charset="0"/>
+                </a:endParaRPr>
+              </a:p>
+            </p:txBody>
+          </p:sp>
+          <p:sp>
+            <p:nvSpPr>
+              <p:cNvPr id="25" name="圆角矩形 24">
+                <a:extLst>
+                  <a:ext uri="{FF2B5EF4-FFF2-40B4-BE49-F238E27FC236}">
+                    <a16:creationId xmlns:a16="http://schemas.microsoft.com/office/drawing/2014/main" id="{381AC4FC-3C5B-3147-B333-5D4C79211D4A}"/>
+                  </a:ext>
+                </a:extLst>
+              </p:cNvPr>
+              <p:cNvSpPr/>
+              <p:nvPr/>
+            </p:nvSpPr>
+            <p:spPr>
+              <a:xfrm>
+                <a:off x="5705879" y="627634"/>
+                <a:ext cx="1838325" cy="514350"/>
+              </a:xfrm>
+              <a:prstGeom prst="roundRect">
+                <a:avLst/>
+              </a:prstGeom>
+              <a:noFill/>
+              <a:ln w="19050">
+                <a:noFill/>
+              </a:ln>
+            </p:spPr>
+            <p:style>
+              <a:lnRef idx="2">
+                <a:schemeClr val="accent1">
+                  <a:shade val="50000"/>
+                </a:schemeClr>
+              </a:lnRef>
+              <a:fillRef idx="1">
+                <a:schemeClr val="accent1"/>
+              </a:fillRef>
+              <a:effectRef idx="0">
+                <a:schemeClr val="accent1"/>
+              </a:effectRef>
+              <a:fontRef idx="minor">
+                <a:schemeClr val="lt1"/>
+              </a:fontRef>
+            </p:style>
+            <p:txBody>
+              <a:bodyPr rtlCol="0" anchor="ctr"/>
+              <a:lstStyle/>
+              <a:p>
+                <a:pPr algn="ctr"/>
+                <a:r>
+                  <a:rPr lang="zh-CN" altLang="en-US" sz="1600" dirty="0">
+                    <a:solidFill>
+                      <a:schemeClr val="tx1"/>
+                    </a:solidFill>
+                    <a:latin typeface="微软雅黑" panose="020B0503020204020204" pitchFamily="34" charset="-122"/>
+                    <a:ea typeface="微软雅黑" panose="020B0503020204020204" pitchFamily="34" charset="-122"/>
+                  </a:rPr>
+                  <a:t>数据报表</a:t>
+                </a:r>
+              </a:p>
+            </p:txBody>
+          </p:sp>
+        </p:grpSp>
         <p:sp>
           <p:nvSpPr>
-            <p:cNvPr id="8" name="圆角矩形 7"/>
+            <p:cNvPr id="24" name="圆角矩形 23">
+              <a:extLst>
+                <a:ext uri="{FF2B5EF4-FFF2-40B4-BE49-F238E27FC236}">
+                  <a16:creationId xmlns:a16="http://schemas.microsoft.com/office/drawing/2014/main" id="{4664D001-8DCA-6144-A179-29A28FB9BB89}"/>
+                </a:ext>
+              </a:extLst>
+            </p:cNvPr>
             <p:cNvSpPr/>
             <p:nvPr/>
           </p:nvSpPr>
           <p:spPr>
             <a:xfrm>
-              <a:off x="3191280" y="1254868"/>
-              <a:ext cx="6896100" cy="1887216"/>
-            </a:xfrm>
-            <a:prstGeom prst="roundRect">
-              <a:avLst>
-                <a:gd name="adj" fmla="val 6143"/>
-              </a:avLst>
-            </a:prstGeom>
-            <a:solidFill>
-              <a:schemeClr val="accent5">
-                <a:lumMod val="20000"/>
-                <a:lumOff val="80000"/>
-              </a:schemeClr>
-            </a:solidFill>
-            <a:ln w="19050">
-              <a:solidFill>
-                <a:schemeClr val="tx1"/>
-              </a:solidFill>
-            </a:ln>
-          </p:spPr>
-          <p:style>
-            <a:lnRef idx="2">
-              <a:schemeClr val="accent1">
-                <a:shade val="50000"/>
-              </a:schemeClr>
-            </a:lnRef>
-            <a:fillRef idx="1">
-              <a:schemeClr val="accent1"/>
-            </a:fillRef>
-            <a:effectRef idx="0">
-              <a:schemeClr val="accent1"/>
-            </a:effectRef>
-            <a:fontRef idx="minor">
-              <a:schemeClr val="lt1"/>
-            </a:fontRef>
-          </p:style>
-          <p:txBody>
-            <a:bodyPr rtlCol="0" anchor="ctr"/>
-            <a:lstStyle/>
-            <a:p>
-              <a:pPr algn="ctr"/>
-              <a:endParaRPr lang="zh-CN" altLang="en-US" sz="1600" dirty="0">
-                <a:solidFill>
-                  <a:schemeClr val="tx1"/>
-                </a:solidFill>
-                <a:latin typeface="微软雅黑" panose="020B0503020204020204" pitchFamily="34" charset="-122"/>
-                <a:ea typeface="微软雅黑" panose="020B0503020204020204" pitchFamily="34" charset="-122"/>
-              </a:endParaRPr>
-            </a:p>
-          </p:txBody>
-        </p:sp>
-        <p:sp>
-          <p:nvSpPr>
-            <p:cNvPr id="14" name="圆角矩形 13"/>
-            <p:cNvSpPr/>
-            <p:nvPr/>
-          </p:nvSpPr>
-          <p:spPr>
-            <a:xfrm>
-              <a:off x="3191280" y="3337347"/>
-              <a:ext cx="6896100" cy="2440883"/>
-            </a:xfrm>
-            <a:prstGeom prst="roundRect">
-              <a:avLst>
-                <a:gd name="adj" fmla="val 6143"/>
-              </a:avLst>
-            </a:prstGeom>
-            <a:solidFill>
-              <a:schemeClr val="accent6">
-                <a:lumMod val="20000"/>
-                <a:lumOff val="80000"/>
-              </a:schemeClr>
-            </a:solidFill>
-            <a:ln w="19050">
-              <a:solidFill>
-                <a:schemeClr val="tx1"/>
-              </a:solidFill>
-            </a:ln>
-          </p:spPr>
-          <p:style>
-            <a:lnRef idx="2">
-              <a:schemeClr val="accent1">
-                <a:shade val="50000"/>
-              </a:schemeClr>
-            </a:lnRef>
-            <a:fillRef idx="1">
-              <a:schemeClr val="accent1"/>
-            </a:fillRef>
-            <a:effectRef idx="0">
-              <a:schemeClr val="accent1"/>
-            </a:effectRef>
-            <a:fontRef idx="minor">
-              <a:schemeClr val="lt1"/>
-            </a:fontRef>
-          </p:style>
-          <p:txBody>
-            <a:bodyPr rtlCol="0" anchor="ctr"/>
-            <a:lstStyle/>
-            <a:p>
-              <a:pPr algn="ctr"/>
-              <a:endParaRPr lang="zh-CN" altLang="en-US" sz="1600" dirty="0">
-                <a:solidFill>
-                  <a:schemeClr val="tx1"/>
-                </a:solidFill>
-                <a:latin typeface="微软雅黑" panose="020B0503020204020204" pitchFamily="34" charset="-122"/>
-                <a:ea typeface="微软雅黑" panose="020B0503020204020204" pitchFamily="34" charset="-122"/>
-              </a:endParaRPr>
-            </a:p>
-          </p:txBody>
-        </p:sp>
-        <p:sp>
-          <p:nvSpPr>
-            <p:cNvPr id="4" name="圆角矩形 3"/>
-            <p:cNvSpPr/>
-            <p:nvPr/>
-          </p:nvSpPr>
-          <p:spPr>
-            <a:xfrm>
-              <a:off x="3619905" y="1766588"/>
-              <a:ext cx="6019800" cy="514350"/>
+              <a:off x="5360243" y="1255099"/>
+              <a:ext cx="2559114" cy="511489"/>
             </a:xfrm>
             <a:prstGeom prst="roundRect">
               <a:avLst/>
             </a:prstGeom>
-            <a:solidFill>
-              <a:schemeClr val="accent1">
-                <a:lumMod val="20000"/>
-                <a:lumOff val="80000"/>
-              </a:schemeClr>
-            </a:solidFill>
+            <a:noFill/>
             <a:ln w="19050">
-              <a:solidFill>
-                <a:schemeClr val="tx1"/>
-              </a:solidFill>
+              <a:noFill/>
             </a:ln>
           </p:spPr>
           <p:style>
@@ -3151,758 +3926,8 @@
                   <a:latin typeface="微软雅黑" panose="020B0503020204020204" pitchFamily="34" charset="-122"/>
                   <a:ea typeface="微软雅黑" panose="020B0503020204020204" pitchFamily="34" charset="-122"/>
                 </a:rPr>
-                <a:t>报表</a:t>
+                <a:t>报表设计入口</a:t>
               </a:r>
-            </a:p>
-          </p:txBody>
-        </p:sp>
-        <p:sp>
-          <p:nvSpPr>
-            <p:cNvPr id="5" name="圆角矩形 4"/>
-            <p:cNvSpPr/>
-            <p:nvPr/>
-          </p:nvSpPr>
-          <p:spPr>
-            <a:xfrm>
-              <a:off x="3619905" y="2440428"/>
-              <a:ext cx="1838325" cy="514350"/>
-            </a:xfrm>
-            <a:prstGeom prst="roundRect">
-              <a:avLst/>
-            </a:prstGeom>
-            <a:solidFill>
-              <a:schemeClr val="accent1">
-                <a:lumMod val="20000"/>
-                <a:lumOff val="80000"/>
-              </a:schemeClr>
-            </a:solidFill>
-            <a:ln w="19050">
-              <a:solidFill>
-                <a:schemeClr val="tx1"/>
-              </a:solidFill>
-            </a:ln>
-          </p:spPr>
-          <p:style>
-            <a:lnRef idx="2">
-              <a:schemeClr val="accent1">
-                <a:shade val="50000"/>
-              </a:schemeClr>
-            </a:lnRef>
-            <a:fillRef idx="1">
-              <a:schemeClr val="accent1"/>
-            </a:fillRef>
-            <a:effectRef idx="0">
-              <a:schemeClr val="accent1"/>
-            </a:effectRef>
-            <a:fontRef idx="minor">
-              <a:schemeClr val="lt1"/>
-            </a:fontRef>
-          </p:style>
-          <p:txBody>
-            <a:bodyPr rtlCol="0" anchor="ctr"/>
-            <a:lstStyle/>
-            <a:p>
-              <a:pPr algn="ctr"/>
-              <a:r>
-                <a:rPr lang="zh-CN" altLang="en-US" sz="1600" dirty="0" smtClean="0">
-                  <a:solidFill>
-                    <a:schemeClr val="tx1"/>
-                  </a:solidFill>
-                  <a:latin typeface="微软雅黑" panose="020B0503020204020204" pitchFamily="34" charset="-122"/>
-                  <a:ea typeface="微软雅黑" panose="020B0503020204020204" pitchFamily="34" charset="-122"/>
-                </a:rPr>
-                <a:t>可视化组件库</a:t>
-              </a:r>
-              <a:endParaRPr lang="zh-CN" altLang="en-US" sz="1600" dirty="0">
-                <a:solidFill>
-                  <a:schemeClr val="tx1"/>
-                </a:solidFill>
-                <a:latin typeface="微软雅黑" panose="020B0503020204020204" pitchFamily="34" charset="-122"/>
-                <a:ea typeface="微软雅黑" panose="020B0503020204020204" pitchFamily="34" charset="-122"/>
-              </a:endParaRPr>
-            </a:p>
-          </p:txBody>
-        </p:sp>
-        <p:sp>
-          <p:nvSpPr>
-            <p:cNvPr id="6" name="圆角矩形 5"/>
-            <p:cNvSpPr/>
-            <p:nvPr/>
-          </p:nvSpPr>
-          <p:spPr>
-            <a:xfrm>
-              <a:off x="5705880" y="2440428"/>
-              <a:ext cx="1838325" cy="514350"/>
-            </a:xfrm>
-            <a:prstGeom prst="roundRect">
-              <a:avLst/>
-            </a:prstGeom>
-            <a:solidFill>
-              <a:schemeClr val="accent1">
-                <a:lumMod val="20000"/>
-                <a:lumOff val="80000"/>
-              </a:schemeClr>
-            </a:solidFill>
-            <a:ln w="19050">
-              <a:solidFill>
-                <a:schemeClr val="tx1"/>
-              </a:solidFill>
-            </a:ln>
-          </p:spPr>
-          <p:style>
-            <a:lnRef idx="2">
-              <a:schemeClr val="accent1">
-                <a:shade val="50000"/>
-              </a:schemeClr>
-            </a:lnRef>
-            <a:fillRef idx="1">
-              <a:schemeClr val="accent1"/>
-            </a:fillRef>
-            <a:effectRef idx="0">
-              <a:schemeClr val="accent1"/>
-            </a:effectRef>
-            <a:fontRef idx="minor">
-              <a:schemeClr val="lt1"/>
-            </a:fontRef>
-          </p:style>
-          <p:txBody>
-            <a:bodyPr rtlCol="0" anchor="ctr"/>
-            <a:lstStyle/>
-            <a:p>
-              <a:pPr algn="ctr"/>
-              <a:r>
-                <a:rPr lang="zh-CN" altLang="en-US" sz="1600" dirty="0" smtClean="0">
-                  <a:solidFill>
-                    <a:schemeClr val="tx1"/>
-                  </a:solidFill>
-                  <a:latin typeface="微软雅黑" panose="020B0503020204020204" pitchFamily="34" charset="-122"/>
-                  <a:ea typeface="微软雅黑" panose="020B0503020204020204" pitchFamily="34" charset="-122"/>
-                </a:rPr>
-                <a:t>报表设计器</a:t>
-              </a:r>
-              <a:endParaRPr lang="zh-CN" altLang="en-US" sz="1600" dirty="0">
-                <a:solidFill>
-                  <a:schemeClr val="tx1"/>
-                </a:solidFill>
-                <a:latin typeface="微软雅黑" panose="020B0503020204020204" pitchFamily="34" charset="-122"/>
-                <a:ea typeface="微软雅黑" panose="020B0503020204020204" pitchFamily="34" charset="-122"/>
-              </a:endParaRPr>
-            </a:p>
-          </p:txBody>
-        </p:sp>
-        <p:sp>
-          <p:nvSpPr>
-            <p:cNvPr id="9" name="圆角矩形 8"/>
-            <p:cNvSpPr/>
-            <p:nvPr/>
-          </p:nvSpPr>
-          <p:spPr>
-            <a:xfrm>
-              <a:off x="7801380" y="2440428"/>
-              <a:ext cx="1838325" cy="514350"/>
-            </a:xfrm>
-            <a:prstGeom prst="roundRect">
-              <a:avLst/>
-            </a:prstGeom>
-            <a:solidFill>
-              <a:schemeClr val="accent1">
-                <a:lumMod val="20000"/>
-                <a:lumOff val="80000"/>
-              </a:schemeClr>
-            </a:solidFill>
-            <a:ln w="19050">
-              <a:solidFill>
-                <a:schemeClr val="tx1"/>
-              </a:solidFill>
-            </a:ln>
-          </p:spPr>
-          <p:style>
-            <a:lnRef idx="2">
-              <a:schemeClr val="accent1">
-                <a:shade val="50000"/>
-              </a:schemeClr>
-            </a:lnRef>
-            <a:fillRef idx="1">
-              <a:schemeClr val="accent1"/>
-            </a:fillRef>
-            <a:effectRef idx="0">
-              <a:schemeClr val="accent1"/>
-            </a:effectRef>
-            <a:fontRef idx="minor">
-              <a:schemeClr val="lt1"/>
-            </a:fontRef>
-          </p:style>
-          <p:txBody>
-            <a:bodyPr rtlCol="0" anchor="ctr"/>
-            <a:lstStyle/>
-            <a:p>
-              <a:pPr algn="ctr"/>
-              <a:r>
-                <a:rPr lang="zh-CN" altLang="en-US" sz="1600" dirty="0" smtClean="0">
-                  <a:solidFill>
-                    <a:schemeClr val="tx1"/>
-                  </a:solidFill>
-                  <a:latin typeface="微软雅黑" panose="020B0503020204020204" pitchFamily="34" charset="-122"/>
-                  <a:ea typeface="微软雅黑" panose="020B0503020204020204" pitchFamily="34" charset="-122"/>
-                </a:rPr>
-                <a:t>报表管理器</a:t>
-              </a:r>
-              <a:endParaRPr lang="zh-CN" altLang="en-US" sz="1600" dirty="0">
-                <a:solidFill>
-                  <a:schemeClr val="tx1"/>
-                </a:solidFill>
-                <a:latin typeface="微软雅黑" panose="020B0503020204020204" pitchFamily="34" charset="-122"/>
-                <a:ea typeface="微软雅黑" panose="020B0503020204020204" pitchFamily="34" charset="-122"/>
-              </a:endParaRPr>
-            </a:p>
-          </p:txBody>
-        </p:sp>
-        <p:sp>
-          <p:nvSpPr>
-            <p:cNvPr id="10" name="文本框 9"/>
-            <p:cNvSpPr txBox="1"/>
-            <p:nvPr/>
-          </p:nvSpPr>
-          <p:spPr>
-            <a:xfrm>
-              <a:off x="5649843" y="1289672"/>
-              <a:ext cx="2256817" cy="369332"/>
-            </a:xfrm>
-            <a:prstGeom prst="rect">
-              <a:avLst/>
-            </a:prstGeom>
-            <a:noFill/>
-          </p:spPr>
-          <p:txBody>
-            <a:bodyPr wrap="square" rtlCol="0">
-              <a:spAutoFit/>
-            </a:bodyPr>
-            <a:lstStyle/>
-            <a:p>
-              <a:r>
-                <a:rPr lang="en-US" altLang="zh-CN" dirty="0" smtClean="0"/>
-                <a:t>Report Design Portal</a:t>
-              </a:r>
-              <a:endParaRPr lang="zh-CN" altLang="en-US" dirty="0"/>
-            </a:p>
-          </p:txBody>
-        </p:sp>
-        <p:sp>
-          <p:nvSpPr>
-            <p:cNvPr id="12" name="圆角矩形 11"/>
-            <p:cNvSpPr/>
-            <p:nvPr/>
-          </p:nvSpPr>
-          <p:spPr>
-            <a:xfrm>
-              <a:off x="3629429" y="3802246"/>
-              <a:ext cx="6010276" cy="514350"/>
-            </a:xfrm>
-            <a:prstGeom prst="roundRect">
-              <a:avLst/>
-            </a:prstGeom>
-            <a:solidFill>
-              <a:schemeClr val="bg1">
-                <a:lumMod val="95000"/>
-              </a:schemeClr>
-            </a:solidFill>
-            <a:ln w="19050">
-              <a:solidFill>
-                <a:schemeClr val="tx1"/>
-              </a:solidFill>
-            </a:ln>
-          </p:spPr>
-          <p:style>
-            <a:lnRef idx="2">
-              <a:schemeClr val="accent1">
-                <a:shade val="50000"/>
-              </a:schemeClr>
-            </a:lnRef>
-            <a:fillRef idx="1">
-              <a:schemeClr val="accent1"/>
-            </a:fillRef>
-            <a:effectRef idx="0">
-              <a:schemeClr val="accent1"/>
-            </a:effectRef>
-            <a:fontRef idx="minor">
-              <a:schemeClr val="lt1"/>
-            </a:fontRef>
-          </p:style>
-          <p:txBody>
-            <a:bodyPr rtlCol="0" anchor="ctr"/>
-            <a:lstStyle/>
-            <a:p>
-              <a:pPr algn="ctr"/>
-              <a:r>
-                <a:rPr lang="zh-CN" altLang="en-US" sz="1600" dirty="0" smtClean="0">
-                  <a:solidFill>
-                    <a:schemeClr val="tx1"/>
-                  </a:solidFill>
-                  <a:latin typeface="微软雅黑" panose="020B0503020204020204" pitchFamily="34" charset="-122"/>
-                  <a:ea typeface="微软雅黑" panose="020B0503020204020204" pitchFamily="34" charset="-122"/>
-                </a:rPr>
-                <a:t>数据集</a:t>
-              </a:r>
-              <a:endParaRPr lang="zh-CN" altLang="en-US" sz="1600" dirty="0">
-                <a:solidFill>
-                  <a:schemeClr val="tx1"/>
-                </a:solidFill>
-                <a:latin typeface="微软雅黑" panose="020B0503020204020204" pitchFamily="34" charset="-122"/>
-                <a:ea typeface="微软雅黑" panose="020B0503020204020204" pitchFamily="34" charset="-122"/>
-              </a:endParaRPr>
-            </a:p>
-          </p:txBody>
-        </p:sp>
-        <p:sp>
-          <p:nvSpPr>
-            <p:cNvPr id="15" name="圆角矩形 14"/>
-            <p:cNvSpPr/>
-            <p:nvPr/>
-          </p:nvSpPr>
-          <p:spPr>
-            <a:xfrm>
-              <a:off x="3629429" y="5124619"/>
-              <a:ext cx="6019801" cy="514350"/>
-            </a:xfrm>
-            <a:prstGeom prst="roundRect">
-              <a:avLst/>
-            </a:prstGeom>
-            <a:solidFill>
-              <a:schemeClr val="bg1">
-                <a:lumMod val="75000"/>
-              </a:schemeClr>
-            </a:solidFill>
-            <a:ln w="19050">
-              <a:solidFill>
-                <a:schemeClr val="tx1"/>
-              </a:solidFill>
-            </a:ln>
-          </p:spPr>
-          <p:style>
-            <a:lnRef idx="2">
-              <a:schemeClr val="accent1">
-                <a:shade val="50000"/>
-              </a:schemeClr>
-            </a:lnRef>
-            <a:fillRef idx="1">
-              <a:schemeClr val="accent1"/>
-            </a:fillRef>
-            <a:effectRef idx="0">
-              <a:schemeClr val="accent1"/>
-            </a:effectRef>
-            <a:fontRef idx="minor">
-              <a:schemeClr val="lt1"/>
-            </a:fontRef>
-          </p:style>
-          <p:txBody>
-            <a:bodyPr rtlCol="0" anchor="ctr"/>
-            <a:lstStyle/>
-            <a:p>
-              <a:pPr algn="ctr"/>
-              <a:r>
-                <a:rPr lang="zh-CN" altLang="en-US" sz="1600" dirty="0" smtClean="0">
-                  <a:solidFill>
-                    <a:schemeClr val="tx1"/>
-                  </a:solidFill>
-                  <a:latin typeface="微软雅黑" panose="020B0503020204020204" pitchFamily="34" charset="-122"/>
-                  <a:ea typeface="微软雅黑" panose="020B0503020204020204" pitchFamily="34" charset="-122"/>
-                </a:rPr>
-                <a:t>数据源</a:t>
-              </a:r>
-              <a:endParaRPr lang="zh-CN" altLang="en-US" sz="1600" dirty="0">
-                <a:solidFill>
-                  <a:schemeClr val="tx1"/>
-                </a:solidFill>
-                <a:latin typeface="微软雅黑" panose="020B0503020204020204" pitchFamily="34" charset="-122"/>
-                <a:ea typeface="微软雅黑" panose="020B0503020204020204" pitchFamily="34" charset="-122"/>
-              </a:endParaRPr>
-            </a:p>
-          </p:txBody>
-        </p:sp>
-        <p:sp>
-          <p:nvSpPr>
-            <p:cNvPr id="16" name="文本框 15"/>
-            <p:cNvSpPr txBox="1"/>
-            <p:nvPr/>
-          </p:nvSpPr>
-          <p:spPr>
-            <a:xfrm>
-              <a:off x="6279406" y="3385131"/>
-              <a:ext cx="1362075" cy="369332"/>
-            </a:xfrm>
-            <a:prstGeom prst="rect">
-              <a:avLst/>
-            </a:prstGeom>
-            <a:noFill/>
-          </p:spPr>
-          <p:txBody>
-            <a:bodyPr wrap="square" rtlCol="0">
-              <a:spAutoFit/>
-            </a:bodyPr>
-            <a:lstStyle/>
-            <a:p>
-              <a:r>
-                <a:rPr lang="en-US" altLang="zh-CN" dirty="0" smtClean="0"/>
-                <a:t>Data</a:t>
-              </a:r>
-              <a:endParaRPr lang="zh-CN" altLang="en-US" dirty="0"/>
-            </a:p>
-          </p:txBody>
-        </p:sp>
-        <p:sp>
-          <p:nvSpPr>
-            <p:cNvPr id="17" name="圆角矩形 16"/>
-            <p:cNvSpPr/>
-            <p:nvPr/>
-          </p:nvSpPr>
-          <p:spPr>
-            <a:xfrm>
-              <a:off x="6780786" y="4464284"/>
-              <a:ext cx="2868444" cy="514350"/>
-            </a:xfrm>
-            <a:prstGeom prst="roundRect">
-              <a:avLst/>
-            </a:prstGeom>
-            <a:solidFill>
-              <a:schemeClr val="bg1">
-                <a:lumMod val="95000"/>
-              </a:schemeClr>
-            </a:solidFill>
-            <a:ln w="19050">
-              <a:solidFill>
-                <a:schemeClr val="tx1"/>
-              </a:solidFill>
-            </a:ln>
-          </p:spPr>
-          <p:style>
-            <a:lnRef idx="2">
-              <a:schemeClr val="accent1">
-                <a:shade val="50000"/>
-              </a:schemeClr>
-            </a:lnRef>
-            <a:fillRef idx="1">
-              <a:schemeClr val="accent1"/>
-            </a:fillRef>
-            <a:effectRef idx="0">
-              <a:schemeClr val="accent1"/>
-            </a:effectRef>
-            <a:fontRef idx="minor">
-              <a:schemeClr val="lt1"/>
-            </a:fontRef>
-          </p:style>
-          <p:txBody>
-            <a:bodyPr rtlCol="0" anchor="ctr"/>
-            <a:lstStyle/>
-            <a:p>
-              <a:pPr algn="ctr"/>
-              <a:r>
-                <a:rPr lang="zh-CN" altLang="en-US" sz="1600" dirty="0" smtClean="0">
-                  <a:solidFill>
-                    <a:schemeClr val="tx1"/>
-                  </a:solidFill>
-                  <a:latin typeface="微软雅黑" panose="020B0503020204020204" pitchFamily="34" charset="-122"/>
-                  <a:ea typeface="微软雅黑" panose="020B0503020204020204" pitchFamily="34" charset="-122"/>
-                </a:rPr>
-                <a:t>数据集管理器</a:t>
-              </a:r>
-              <a:endParaRPr lang="zh-CN" altLang="en-US" sz="1600" dirty="0">
-                <a:solidFill>
-                  <a:schemeClr val="tx1"/>
-                </a:solidFill>
-                <a:latin typeface="微软雅黑" panose="020B0503020204020204" pitchFamily="34" charset="-122"/>
-                <a:ea typeface="微软雅黑" panose="020B0503020204020204" pitchFamily="34" charset="-122"/>
-              </a:endParaRPr>
-            </a:p>
-          </p:txBody>
-        </p:sp>
-        <p:sp>
-          <p:nvSpPr>
-            <p:cNvPr id="18" name="圆角矩形 17"/>
-            <p:cNvSpPr/>
-            <p:nvPr/>
-          </p:nvSpPr>
-          <p:spPr>
-            <a:xfrm>
-              <a:off x="3629430" y="4464284"/>
-              <a:ext cx="2868444" cy="514350"/>
-            </a:xfrm>
-            <a:prstGeom prst="roundRect">
-              <a:avLst/>
-            </a:prstGeom>
-            <a:solidFill>
-              <a:schemeClr val="bg1">
-                <a:lumMod val="95000"/>
-              </a:schemeClr>
-            </a:solidFill>
-            <a:ln w="19050">
-              <a:solidFill>
-                <a:schemeClr val="tx1"/>
-              </a:solidFill>
-            </a:ln>
-          </p:spPr>
-          <p:style>
-            <a:lnRef idx="2">
-              <a:schemeClr val="accent1">
-                <a:shade val="50000"/>
-              </a:schemeClr>
-            </a:lnRef>
-            <a:fillRef idx="1">
-              <a:schemeClr val="accent1"/>
-            </a:fillRef>
-            <a:effectRef idx="0">
-              <a:schemeClr val="accent1"/>
-            </a:effectRef>
-            <a:fontRef idx="minor">
-              <a:schemeClr val="lt1"/>
-            </a:fontRef>
-          </p:style>
-          <p:txBody>
-            <a:bodyPr rtlCol="0" anchor="ctr"/>
-            <a:lstStyle/>
-            <a:p>
-              <a:pPr algn="ctr"/>
-              <a:r>
-                <a:rPr lang="zh-CN" altLang="en-US" sz="1600" dirty="0">
-                  <a:solidFill>
-                    <a:schemeClr val="tx1"/>
-                  </a:solidFill>
-                  <a:latin typeface="微软雅黑" panose="020B0503020204020204" pitchFamily="34" charset="-122"/>
-                  <a:ea typeface="微软雅黑" panose="020B0503020204020204" pitchFamily="34" charset="-122"/>
-                </a:rPr>
-                <a:t>数据集</a:t>
-              </a:r>
-              <a:r>
-                <a:rPr lang="zh-CN" altLang="en-US" sz="1600" dirty="0" smtClean="0">
-                  <a:solidFill>
-                    <a:schemeClr val="tx1"/>
-                  </a:solidFill>
-                  <a:latin typeface="微软雅黑" panose="020B0503020204020204" pitchFamily="34" charset="-122"/>
-                  <a:ea typeface="微软雅黑" panose="020B0503020204020204" pitchFamily="34" charset="-122"/>
-                </a:rPr>
-                <a:t>设计器</a:t>
-              </a:r>
-              <a:endParaRPr lang="zh-CN" altLang="en-US" sz="1600" dirty="0">
-                <a:solidFill>
-                  <a:schemeClr val="tx1"/>
-                </a:solidFill>
-                <a:latin typeface="微软雅黑" panose="020B0503020204020204" pitchFamily="34" charset="-122"/>
-                <a:ea typeface="微软雅黑" panose="020B0503020204020204" pitchFamily="34" charset="-122"/>
-              </a:endParaRPr>
-            </a:p>
-          </p:txBody>
-        </p:sp>
-        <p:sp>
-          <p:nvSpPr>
-            <p:cNvPr id="20" name="矩形 19"/>
-            <p:cNvSpPr/>
-            <p:nvPr/>
-          </p:nvSpPr>
-          <p:spPr>
-            <a:xfrm>
-              <a:off x="2325215" y="544750"/>
-              <a:ext cx="515566" cy="5359940"/>
-            </a:xfrm>
-            <a:prstGeom prst="rect">
-              <a:avLst/>
-            </a:prstGeom>
-            <a:solidFill>
-              <a:schemeClr val="accent5">
-                <a:lumMod val="20000"/>
-                <a:lumOff val="80000"/>
-              </a:schemeClr>
-            </a:solidFill>
-            <a:ln w="12700">
-              <a:noFill/>
-              <a:prstDash val="sysDash"/>
-            </a:ln>
-          </p:spPr>
-          <p:style>
-            <a:lnRef idx="2">
-              <a:schemeClr val="accent1">
-                <a:shade val="50000"/>
-              </a:schemeClr>
-            </a:lnRef>
-            <a:fillRef idx="1">
-              <a:schemeClr val="accent1"/>
-            </a:fillRef>
-            <a:effectRef idx="0">
-              <a:schemeClr val="accent1"/>
-            </a:effectRef>
-            <a:fontRef idx="minor">
-              <a:schemeClr val="lt1"/>
-            </a:fontRef>
-          </p:style>
-          <p:txBody>
-            <a:bodyPr rtlCol="0" anchor="ctr"/>
-            <a:lstStyle/>
-            <a:p>
-              <a:pPr algn="ctr"/>
-              <a:r>
-                <a:rPr lang="zh-CN" altLang="en-US" sz="1600" dirty="0" smtClean="0">
-                  <a:solidFill>
-                    <a:schemeClr val="tx1"/>
-                  </a:solidFill>
-                  <a:latin typeface="微软雅黑" panose="020B0503020204020204" pitchFamily="34" charset="-122"/>
-                  <a:ea typeface="微软雅黑" panose="020B0503020204020204" pitchFamily="34" charset="-122"/>
-                </a:rPr>
-                <a:t>组织间资源隔离</a:t>
-              </a:r>
-              <a:endParaRPr lang="zh-CN" altLang="en-US" sz="1600" dirty="0">
-                <a:solidFill>
-                  <a:schemeClr val="tx1"/>
-                </a:solidFill>
-                <a:latin typeface="微软雅黑" panose="020B0503020204020204" pitchFamily="34" charset="-122"/>
-                <a:ea typeface="微软雅黑" panose="020B0503020204020204" pitchFamily="34" charset="-122"/>
-              </a:endParaRPr>
-            </a:p>
-          </p:txBody>
-        </p:sp>
-        <p:sp>
-          <p:nvSpPr>
-            <p:cNvPr id="21" name="矩形 20"/>
-            <p:cNvSpPr/>
-            <p:nvPr/>
-          </p:nvSpPr>
-          <p:spPr>
-            <a:xfrm>
-              <a:off x="10500500" y="544750"/>
-              <a:ext cx="515566" cy="5359940"/>
-            </a:xfrm>
-            <a:prstGeom prst="rect">
-              <a:avLst/>
-            </a:prstGeom>
-            <a:solidFill>
-              <a:schemeClr val="accent5">
-                <a:lumMod val="20000"/>
-                <a:lumOff val="80000"/>
-              </a:schemeClr>
-            </a:solidFill>
-            <a:ln w="12700">
-              <a:noFill/>
-              <a:prstDash val="sysDash"/>
-            </a:ln>
-          </p:spPr>
-          <p:style>
-            <a:lnRef idx="2">
-              <a:schemeClr val="accent1">
-                <a:shade val="50000"/>
-              </a:schemeClr>
-            </a:lnRef>
-            <a:fillRef idx="1">
-              <a:schemeClr val="accent1"/>
-            </a:fillRef>
-            <a:effectRef idx="0">
-              <a:schemeClr val="accent1"/>
-            </a:effectRef>
-            <a:fontRef idx="minor">
-              <a:schemeClr val="lt1"/>
-            </a:fontRef>
-          </p:style>
-          <p:txBody>
-            <a:bodyPr rtlCol="0" anchor="ctr"/>
-            <a:lstStyle/>
-            <a:p>
-              <a:pPr algn="ctr"/>
-              <a:r>
-                <a:rPr lang="zh-CN" altLang="en-US" sz="1600" dirty="0" smtClean="0">
-                  <a:solidFill>
-                    <a:schemeClr val="tx1"/>
-                  </a:solidFill>
-                  <a:latin typeface="微软雅黑" panose="020B0503020204020204" pitchFamily="34" charset="-122"/>
-                  <a:ea typeface="微软雅黑" panose="020B0503020204020204" pitchFamily="34" charset="-122"/>
-                </a:rPr>
-                <a:t>安全管理</a:t>
-              </a:r>
-              <a:endParaRPr lang="zh-CN" altLang="en-US" sz="1600" dirty="0">
-                <a:solidFill>
-                  <a:schemeClr val="tx1"/>
-                </a:solidFill>
-                <a:latin typeface="微软雅黑" panose="020B0503020204020204" pitchFamily="34" charset="-122"/>
-                <a:ea typeface="微软雅黑" panose="020B0503020204020204" pitchFamily="34" charset="-122"/>
-              </a:endParaRPr>
-            </a:p>
-          </p:txBody>
-        </p:sp>
-        <p:sp>
-          <p:nvSpPr>
-            <p:cNvPr id="22" name="圆角矩形 21"/>
-            <p:cNvSpPr/>
-            <p:nvPr/>
-          </p:nvSpPr>
-          <p:spPr>
-            <a:xfrm>
-              <a:off x="3015575" y="544750"/>
-              <a:ext cx="7227651" cy="5359940"/>
-            </a:xfrm>
-            <a:prstGeom prst="roundRect">
-              <a:avLst>
-                <a:gd name="adj" fmla="val 2603"/>
-              </a:avLst>
-            </a:prstGeom>
-            <a:noFill/>
-            <a:ln w="19050">
-              <a:solidFill>
-                <a:schemeClr val="tx1"/>
-              </a:solidFill>
-              <a:prstDash val="sysDash"/>
-            </a:ln>
-          </p:spPr>
-          <p:style>
-            <a:lnRef idx="2">
-              <a:schemeClr val="accent1">
-                <a:shade val="50000"/>
-              </a:schemeClr>
-            </a:lnRef>
-            <a:fillRef idx="1">
-              <a:schemeClr val="accent1"/>
-            </a:fillRef>
-            <a:effectRef idx="0">
-              <a:schemeClr val="accent1"/>
-            </a:effectRef>
-            <a:fontRef idx="minor">
-              <a:schemeClr val="lt1"/>
-            </a:fontRef>
-          </p:style>
-          <p:txBody>
-            <a:bodyPr rtlCol="0" anchor="ctr"/>
-            <a:lstStyle/>
-            <a:p>
-              <a:pPr algn="ctr"/>
-              <a:endParaRPr lang="zh-CN" altLang="en-US">
-                <a:solidFill>
-                  <a:schemeClr val="tx1"/>
-                </a:solidFill>
-              </a:endParaRPr>
-            </a:p>
-          </p:txBody>
-        </p:sp>
-        <p:sp>
-          <p:nvSpPr>
-            <p:cNvPr id="23" name="文本框 22"/>
-            <p:cNvSpPr txBox="1"/>
-            <p:nvPr/>
-          </p:nvSpPr>
-          <p:spPr>
-            <a:xfrm>
-              <a:off x="5987677" y="674433"/>
-              <a:ext cx="1581150" cy="369332"/>
-            </a:xfrm>
-            <a:prstGeom prst="rect">
-              <a:avLst/>
-            </a:prstGeom>
-            <a:noFill/>
-          </p:spPr>
-          <p:txBody>
-            <a:bodyPr wrap="square" rtlCol="0">
-              <a:spAutoFit/>
-            </a:bodyPr>
-            <a:lstStyle/>
-            <a:p>
-              <a:r>
-                <a:rPr lang="en-US" altLang="zh-CN" dirty="0" smtClean="0"/>
-                <a:t>BI &amp; Report</a:t>
-              </a:r>
-              <a:endParaRPr lang="zh-CN" altLang="en-US" dirty="0"/>
             </a:p>
           </p:txBody>
         </p:sp>
